--- a/卒業論文/2012/清水竜吾/卒業論文中間ポスター.pptx
+++ b/卒業論文/2012/清水竜吾/卒業論文中間ポスター.pptx
@@ -235,11 +235,11 @@
         </c:dLbls>
         <c:marker val="1"/>
         <c:smooth val="0"/>
-        <c:axId val="116756864"/>
-        <c:axId val="116758400"/>
+        <c:axId val="111286144"/>
+        <c:axId val="111287680"/>
       </c:lineChart>
       <c:catAx>
-        <c:axId val="116756864"/>
+        <c:axId val="111286144"/>
         <c:scaling>
           <c:orientation val="minMax"/>
         </c:scaling>
@@ -248,7 +248,7 @@
         <c:majorTickMark val="none"/>
         <c:minorTickMark val="none"/>
         <c:tickLblPos val="none"/>
-        <c:crossAx val="116758400"/>
+        <c:crossAx val="111287680"/>
         <c:crosses val="autoZero"/>
         <c:auto val="1"/>
         <c:lblAlgn val="ctr"/>
@@ -256,7 +256,7 @@
         <c:noMultiLvlLbl val="0"/>
       </c:catAx>
       <c:valAx>
-        <c:axId val="116758400"/>
+        <c:axId val="111287680"/>
         <c:scaling>
           <c:orientation val="minMax"/>
         </c:scaling>
@@ -267,7 +267,7 @@
         <c:majorTickMark val="out"/>
         <c:minorTickMark val="none"/>
         <c:tickLblPos val="nextTo"/>
-        <c:crossAx val="116756864"/>
+        <c:crossAx val="111286144"/>
         <c:crosses val="autoZero"/>
         <c:crossBetween val="between"/>
       </c:valAx>
@@ -384,11 +384,11 @@
         </c:dLbls>
         <c:marker val="1"/>
         <c:smooth val="0"/>
-        <c:axId val="96982912"/>
-        <c:axId val="96984448"/>
+        <c:axId val="112364928"/>
+        <c:axId val="112383104"/>
       </c:lineChart>
       <c:catAx>
-        <c:axId val="96982912"/>
+        <c:axId val="112364928"/>
         <c:scaling>
           <c:orientation val="minMax"/>
         </c:scaling>
@@ -397,7 +397,7 @@
         <c:majorTickMark val="out"/>
         <c:minorTickMark val="none"/>
         <c:tickLblPos val="nextTo"/>
-        <c:crossAx val="96984448"/>
+        <c:crossAx val="112383104"/>
         <c:crosses val="autoZero"/>
         <c:auto val="1"/>
         <c:lblAlgn val="ctr"/>
@@ -405,7 +405,7 @@
         <c:noMultiLvlLbl val="0"/>
       </c:catAx>
       <c:valAx>
-        <c:axId val="96984448"/>
+        <c:axId val="112383104"/>
         <c:scaling>
           <c:orientation val="minMax"/>
         </c:scaling>
@@ -416,7 +416,7 @@
         <c:majorTickMark val="out"/>
         <c:minorTickMark val="none"/>
         <c:tickLblPos val="nextTo"/>
-        <c:crossAx val="96982912"/>
+        <c:crossAx val="112364928"/>
         <c:crosses val="autoZero"/>
         <c:crossBetween val="between"/>
       </c:valAx>
@@ -535,11 +535,11 @@
         </c:dLbls>
         <c:marker val="1"/>
         <c:smooth val="0"/>
-        <c:axId val="116776320"/>
-        <c:axId val="117515392"/>
+        <c:axId val="114046080"/>
+        <c:axId val="114047616"/>
       </c:lineChart>
       <c:catAx>
-        <c:axId val="116776320"/>
+        <c:axId val="114046080"/>
         <c:scaling>
           <c:orientation val="minMax"/>
         </c:scaling>
@@ -548,7 +548,7 @@
         <c:majorTickMark val="out"/>
         <c:minorTickMark val="none"/>
         <c:tickLblPos val="nextTo"/>
-        <c:crossAx val="117515392"/>
+        <c:crossAx val="114047616"/>
         <c:crosses val="autoZero"/>
         <c:auto val="1"/>
         <c:lblAlgn val="ctr"/>
@@ -556,7 +556,7 @@
         <c:noMultiLvlLbl val="0"/>
       </c:catAx>
       <c:valAx>
-        <c:axId val="117515392"/>
+        <c:axId val="114047616"/>
         <c:scaling>
           <c:orientation val="minMax"/>
         </c:scaling>
@@ -567,7 +567,7 @@
         <c:majorTickMark val="out"/>
         <c:minorTickMark val="none"/>
         <c:tickLblPos val="nextTo"/>
-        <c:crossAx val="116776320"/>
+        <c:crossAx val="114046080"/>
         <c:crosses val="autoZero"/>
         <c:crossBetween val="between"/>
       </c:valAx>
@@ -27889,16 +27889,12 @@
           </a:fontRef>
         </p:style>
         <p:txBody>
-          <a:bodyPr rtlCol="0" anchor="ctr">
-            <a:prstTxWarp prst="textChevron">
-              <a:avLst/>
-            </a:prstTxWarp>
-          </a:bodyPr>
+          <a:bodyPr rtlCol="0" anchor="ctr"/>
           <a:lstStyle/>
           <a:p>
             <a:pPr algn="ctr"/>
             <a:r>
-              <a:rPr lang="ja-JP" altLang="en-US" sz="6600" b="1" dirty="0" smtClean="0">
+              <a:rPr lang="ja-JP" altLang="en-US" sz="8000" b="1" dirty="0" smtClean="0">
                 <a:ln w="17780" cmpd="sng">
                   <a:solidFill>
                     <a:srgbClr val="FFFFFF"/>
@@ -27955,7 +27951,7 @@
               <a:t>テスト</a:t>
             </a:r>
             <a:r>
-              <a:rPr lang="ja-JP" altLang="en-US" sz="6600" b="1" dirty="0">
+              <a:rPr lang="ja-JP" altLang="en-US" sz="8000" b="1" dirty="0">
                 <a:ln w="17780" cmpd="sng">
                   <a:solidFill>
                     <a:srgbClr val="FFFFFF"/>
@@ -28012,7 +28008,7 @@
               <a:t>を基準に</a:t>
             </a:r>
             <a:r>
-              <a:rPr lang="ja-JP" altLang="en-US" sz="6600" b="1" dirty="0" smtClean="0">
+              <a:rPr lang="ja-JP" altLang="en-US" sz="8000" b="1" dirty="0" smtClean="0">
                 <a:ln w="17780" cmpd="sng">
                   <a:solidFill>
                     <a:srgbClr val="FFFFFF"/>
@@ -28068,7 +28064,7 @@
               </a:rPr>
               <a:t>した</a:t>
             </a:r>
-            <a:endParaRPr lang="en-US" altLang="ja-JP" sz="6600" b="1" dirty="0" smtClean="0">
+            <a:endParaRPr lang="en-US" altLang="ja-JP" sz="8000" b="1" dirty="0" smtClean="0">
               <a:ln w="17780" cmpd="sng">
                 <a:solidFill>
                   <a:srgbClr val="FFFFFF"/>
@@ -28126,7 +28122,7 @@
           <a:p>
             <a:pPr algn="ctr"/>
             <a:r>
-              <a:rPr lang="ja-JP" altLang="en-US" sz="6600" b="1" dirty="0" smtClean="0">
+              <a:rPr lang="ja-JP" altLang="en-US" sz="8000" b="1" dirty="0" smtClean="0">
                 <a:ln w="17780" cmpd="sng">
                   <a:solidFill>
                     <a:srgbClr val="FFFFFF"/>
@@ -28183,7 +28179,7 @@
               <a:t>ソフトウェア</a:t>
             </a:r>
             <a:r>
-              <a:rPr lang="ja-JP" altLang="en-US" sz="6600" b="1" dirty="0">
+              <a:rPr lang="ja-JP" altLang="en-US" sz="8000" b="1" dirty="0">
                 <a:ln w="17780" cmpd="sng">
                   <a:solidFill>
                     <a:srgbClr val="FFFFFF"/>
@@ -28240,7 +28236,7 @@
               <a:t>開発</a:t>
             </a:r>
             <a:r>
-              <a:rPr lang="ja-JP" altLang="en-US" sz="6600" b="1" dirty="0" smtClean="0">
+              <a:rPr lang="ja-JP" altLang="en-US" sz="8000" b="1" dirty="0" smtClean="0">
                 <a:ln w="17780" cmpd="sng">
                   <a:solidFill>
                     <a:srgbClr val="FFFFFF"/>
@@ -28296,7 +28292,7 @@
               </a:rPr>
               <a:t>プロセスの調査</a:t>
             </a:r>
-            <a:endParaRPr lang="ja-JP" altLang="en-US" sz="6600" b="1" dirty="0">
+            <a:endParaRPr lang="ja-JP" altLang="en-US" sz="8000" b="1" dirty="0">
               <a:ln w="17780" cmpd="sng">
                 <a:solidFill>
                   <a:srgbClr val="FFFFFF"/>
@@ -31086,7 +31082,7 @@
         <p:spPr>
           <a:xfrm>
             <a:off x="1693399" y="6595579"/>
-            <a:ext cx="6991016" cy="830997"/>
+            <a:ext cx="6991017" cy="830997"/>
           </a:xfrm>
           <a:prstGeom prst="rect">
             <a:avLst/>
@@ -31154,6 +31150,8 @@
                     </a:prstClr>
                   </a:outerShdw>
                 </a:effectLst>
+                <a:latin typeface="HGSｺﾞｼｯｸE" panose="020B0900000000000000" pitchFamily="50" charset="-128"/>
+                <a:ea typeface="HGSｺﾞｼｯｸE" panose="020B0900000000000000" pitchFamily="50" charset="-128"/>
               </a:rPr>
               <a:t>さまざまな開発プロセス</a:t>
             </a:r>
@@ -31210,6 +31208,8 @@
                   </a:prstClr>
                 </a:outerShdw>
               </a:effectLst>
+              <a:latin typeface="HGSｺﾞｼｯｸE" panose="020B0900000000000000" pitchFamily="50" charset="-128"/>
+              <a:ea typeface="HGSｺﾞｼｯｸE" panose="020B0900000000000000" pitchFamily="50" charset="-128"/>
             </a:endParaRPr>
           </a:p>
         </p:txBody>
@@ -32806,6 +32806,8 @@
                     </a:prstClr>
                   </a:outerShdw>
                 </a:effectLst>
+                <a:latin typeface="HGSｺﾞｼｯｸE" panose="020B0900000000000000" pitchFamily="50" charset="-128"/>
+                <a:ea typeface="HGSｺﾞｼｯｸE" panose="020B0900000000000000" pitchFamily="50" charset="-128"/>
               </a:rPr>
               <a:t>現実のソフトウェア開発プロセス</a:t>
             </a:r>
@@ -32862,6 +32864,8 @@
                   </a:prstClr>
                 </a:outerShdw>
               </a:effectLst>
+              <a:latin typeface="HGSｺﾞｼｯｸE" panose="020B0900000000000000" pitchFamily="50" charset="-128"/>
+              <a:ea typeface="HGSｺﾞｼｯｸE" panose="020B0900000000000000" pitchFamily="50" charset="-128"/>
             </a:endParaRPr>
           </a:p>
         </p:txBody>
@@ -36723,7 +36727,7 @@
         <p:spPr>
           <a:xfrm>
             <a:off x="6254745" y="6362753"/>
-            <a:ext cx="5573729" cy="2630290"/>
+            <a:ext cx="5573729" cy="3116376"/>
           </a:xfrm>
           <a:prstGeom prst="wedgeEllipseCallout">
             <a:avLst>
@@ -36750,23 +36754,29 @@
           <a:bodyPr rtlCol="0" anchor="ctr"/>
           <a:lstStyle/>
           <a:p>
-            <a:pPr marL="285750" indent="-285750">
-              <a:buFont typeface="Arial" pitchFamily="34" charset="0"/>
+            <a:pPr marL="457200" indent="-457200">
+              <a:buFont typeface="Arial" panose="020B0604020202020204" pitchFamily="34" charset="0"/>
               <a:buChar char="•"/>
             </a:pPr>
             <a:r>
               <a:rPr lang="ja-JP" altLang="en-US" sz="3200" dirty="0" smtClean="0">
                 <a:latin typeface="+mn-ea"/>
               </a:rPr>
-              <a:t>プロジェクト情報</a:t>
+              <a:t>プロジェクト</a:t>
+            </a:r>
+            <a:r>
+              <a:rPr lang="ja-JP" altLang="en-US" sz="3200" dirty="0" smtClean="0">
+                <a:latin typeface="+mn-ea"/>
+              </a:rPr>
+              <a:t>情報</a:t>
             </a:r>
             <a:endParaRPr lang="en-US" altLang="ja-JP" sz="3200" dirty="0" smtClean="0">
               <a:latin typeface="+mn-ea"/>
             </a:endParaRPr>
           </a:p>
           <a:p>
-            <a:pPr marL="525463" indent="-285750">
-              <a:buFont typeface="Arial" pitchFamily="34" charset="0"/>
+            <a:pPr marL="457200" indent="-457200">
+              <a:buFont typeface="Arial" panose="020B0604020202020204" pitchFamily="34" charset="0"/>
               <a:buChar char="•"/>
             </a:pPr>
             <a:r>
@@ -36780,8 +36790,8 @@
             </a:endParaRPr>
           </a:p>
           <a:p>
-            <a:pPr marL="525463" indent="-285750">
-              <a:buFont typeface="Arial" pitchFamily="34" charset="0"/>
+            <a:pPr marL="457200" indent="-457200">
+              <a:buFont typeface="Arial" panose="020B0604020202020204" pitchFamily="34" charset="0"/>
               <a:buChar char="•"/>
             </a:pPr>
             <a:r>
@@ -36790,13 +36800,13 @@
               </a:rPr>
               <a:t>チケット情報</a:t>
             </a:r>
-            <a:endParaRPr lang="en-US" altLang="ja-JP" sz="3200" dirty="0" smtClean="0">
+            <a:endParaRPr lang="en-US" altLang="ja-JP" sz="3200" dirty="0">
               <a:latin typeface="+mn-ea"/>
             </a:endParaRPr>
           </a:p>
           <a:p>
-            <a:pPr marL="525463" indent="-285750">
-              <a:buFont typeface="Arial" pitchFamily="34" charset="0"/>
+            <a:pPr marL="457200" indent="-457200">
+              <a:buFont typeface="Arial" panose="020B0604020202020204" pitchFamily="34" charset="0"/>
               <a:buChar char="•"/>
             </a:pPr>
             <a:r>
@@ -36805,20 +36815,26 @@
               </a:rPr>
               <a:t>開発メンバ</a:t>
             </a:r>
-            <a:endParaRPr lang="en-US" altLang="ja-JP" sz="3200" dirty="0" smtClean="0">
+            <a:endParaRPr lang="en-US" altLang="ja-JP" sz="3200" dirty="0">
               <a:latin typeface="+mn-ea"/>
             </a:endParaRPr>
           </a:p>
           <a:p>
-            <a:pPr marL="525463" indent="-285750">
-              <a:buFont typeface="Arial" pitchFamily="34" charset="0"/>
+            <a:pPr marL="457200" indent="-457200">
+              <a:buFont typeface="Arial" panose="020B0604020202020204" pitchFamily="34" charset="0"/>
               <a:buChar char="•"/>
             </a:pPr>
             <a:r>
               <a:rPr lang="en-US" altLang="ja-JP" sz="3200" dirty="0" smtClean="0">
                 <a:latin typeface="+mn-ea"/>
               </a:rPr>
-              <a:t>Etc...</a:t>
+              <a:t>Etc</a:t>
+            </a:r>
+            <a:r>
+              <a:rPr lang="en-US" altLang="ja-JP" sz="3200" dirty="0" smtClean="0">
+                <a:latin typeface="+mn-ea"/>
+              </a:rPr>
+              <a:t>...</a:t>
             </a:r>
             <a:endParaRPr kumimoji="1" lang="ja-JP" altLang="en-US" sz="3200" dirty="0">
               <a:latin typeface="+mn-ea"/>

--- a/卒業論文/2012/清水竜吾/卒業論文中間ポスター.pptx
+++ b/卒業論文/2012/清水竜吾/卒業論文中間ポスター.pptx
@@ -32737,7 +32737,7 @@
         </p:nvSpPr>
         <p:spPr>
           <a:xfrm>
-            <a:off x="1722677" y="12691715"/>
+            <a:off x="1722677" y="12403683"/>
             <a:ext cx="9466053" cy="830997"/>
           </a:xfrm>
           <a:prstGeom prst="rect">
@@ -32870,44 +32870,6 @@
           </a:p>
         </p:txBody>
       </p:sp>
-      <p:sp>
-        <p:nvSpPr>
-          <p:cNvPr id="21" name="雲 20"/>
-          <p:cNvSpPr/>
-          <p:nvPr/>
-        </p:nvSpPr>
-        <p:spPr>
-          <a:xfrm>
-            <a:off x="1844929" y="13730278"/>
-            <a:ext cx="7200000" cy="4680000"/>
-          </a:xfrm>
-          <a:prstGeom prst="cloud">
-            <a:avLst/>
-          </a:prstGeom>
-        </p:spPr>
-        <p:style>
-          <a:lnRef idx="2">
-            <a:schemeClr val="dk1"/>
-          </a:lnRef>
-          <a:fillRef idx="1">
-            <a:schemeClr val="lt1"/>
-          </a:fillRef>
-          <a:effectRef idx="0">
-            <a:schemeClr val="dk1"/>
-          </a:effectRef>
-          <a:fontRef idx="minor">
-            <a:schemeClr val="dk1"/>
-          </a:fontRef>
-        </p:style>
-        <p:txBody>
-          <a:bodyPr rtlCol="0" anchor="ctr"/>
-          <a:lstStyle/>
-          <a:p>
-            <a:pPr algn="ctr"/>
-            <a:endParaRPr kumimoji="1" lang="ja-JP" altLang="en-US"/>
-          </a:p>
-        </p:txBody>
-      </p:sp>
       <p:pic>
         <p:nvPicPr>
           <p:cNvPr id="22" name="Picture 2" descr="C:\Users\Air\Desktop\新しいフォルダー (5)\power.png"/>
@@ -32931,7 +32893,7 @@
         </p:blipFill>
         <p:spPr bwMode="auto">
           <a:xfrm>
-            <a:off x="3515722" y="15475022"/>
+            <a:off x="3292499" y="14994231"/>
             <a:ext cx="1099120" cy="1080000"/>
           </a:xfrm>
           <a:prstGeom prst="rect">
@@ -32972,7 +32934,7 @@
         </p:blipFill>
         <p:spPr bwMode="auto">
           <a:xfrm>
-            <a:off x="5268382" y="15838583"/>
+            <a:off x="4909624" y="14274151"/>
             <a:ext cx="2399400" cy="1800000"/>
           </a:xfrm>
           <a:prstGeom prst="rect">
@@ -33013,7 +32975,7 @@
         </p:blipFill>
         <p:spPr bwMode="auto">
           <a:xfrm>
-            <a:off x="4201999" y="16294393"/>
+            <a:off x="3978776" y="15813602"/>
             <a:ext cx="1098000" cy="1080000"/>
           </a:xfrm>
           <a:prstGeom prst="rect">
@@ -33054,7 +33016,7 @@
         </p:blipFill>
         <p:spPr bwMode="auto">
           <a:xfrm>
-            <a:off x="3064676" y="16241144"/>
+            <a:off x="2841453" y="15760353"/>
             <a:ext cx="1099118" cy="1080000"/>
           </a:xfrm>
           <a:prstGeom prst="rect">
@@ -33095,7 +33057,7 @@
         </p:blipFill>
         <p:spPr bwMode="auto">
           <a:xfrm>
-            <a:off x="4836334" y="14542439"/>
+            <a:off x="5281991" y="16398527"/>
             <a:ext cx="1080000" cy="1080000"/>
           </a:xfrm>
           <a:prstGeom prst="rect">
@@ -33136,7 +33098,7 @@
         </p:blipFill>
         <p:spPr bwMode="auto">
           <a:xfrm>
-            <a:off x="5639351" y="14722439"/>
+            <a:off x="6157016" y="16002463"/>
             <a:ext cx="1080000" cy="1080000"/>
           </a:xfrm>
           <a:prstGeom prst="rect">
@@ -33177,7 +33139,7 @@
         </p:blipFill>
         <p:spPr bwMode="auto">
           <a:xfrm>
-            <a:off x="6951159" y="14573303"/>
+            <a:off x="7093120" y="14706199"/>
             <a:ext cx="1080000" cy="1080000"/>
           </a:xfrm>
           <a:prstGeom prst="rect">
@@ -33197,52 +33159,14 @@
       </p:pic>
       <p:sp>
         <p:nvSpPr>
-          <p:cNvPr id="312" name="雲 311"/>
-          <p:cNvSpPr/>
-          <p:nvPr/>
-        </p:nvSpPr>
-        <p:spPr>
-          <a:xfrm>
-            <a:off x="12683996" y="13627819"/>
-            <a:ext cx="7200000" cy="4680000"/>
-          </a:xfrm>
-          <a:prstGeom prst="cloud">
-            <a:avLst/>
-          </a:prstGeom>
-        </p:spPr>
-        <p:style>
-          <a:lnRef idx="2">
-            <a:schemeClr val="dk1"/>
-          </a:lnRef>
-          <a:fillRef idx="1">
-            <a:schemeClr val="lt1"/>
-          </a:fillRef>
-          <a:effectRef idx="0">
-            <a:schemeClr val="dk1"/>
-          </a:effectRef>
-          <a:fontRef idx="minor">
-            <a:schemeClr val="dk1"/>
-          </a:fontRef>
-        </p:style>
-        <p:txBody>
-          <a:bodyPr rtlCol="0" anchor="ctr"/>
-          <a:lstStyle/>
-          <a:p>
-            <a:pPr algn="ctr"/>
-            <a:endParaRPr kumimoji="1" lang="ja-JP" altLang="en-US"/>
-          </a:p>
-        </p:txBody>
-      </p:sp>
-      <p:sp>
-        <p:nvSpPr>
           <p:cNvPr id="26" name="乗算記号 25"/>
           <p:cNvSpPr/>
           <p:nvPr/>
         </p:nvSpPr>
         <p:spPr>
           <a:xfrm>
-            <a:off x="3612198" y="14527819"/>
-            <a:ext cx="3600000" cy="3600000"/>
+            <a:off x="4140952" y="14418167"/>
+            <a:ext cx="2520000" cy="2520000"/>
           </a:xfrm>
           <a:prstGeom prst="mathMultiply">
             <a:avLst/>
@@ -33277,7 +33201,7 @@
           <a:lstStyle/>
           <a:p>
             <a:pPr algn="ctr"/>
-            <a:endParaRPr kumimoji="1" lang="ja-JP" altLang="en-US"/>
+            <a:endParaRPr kumimoji="1" lang="ja-JP" altLang="en-US" dirty="0"/>
           </a:p>
         </p:txBody>
       </p:sp>
@@ -33304,7 +33228,7 @@
         </p:blipFill>
         <p:spPr bwMode="auto">
           <a:xfrm>
-            <a:off x="14131529" y="14573303"/>
+            <a:off x="13693864" y="14634191"/>
             <a:ext cx="1176000" cy="1080000"/>
           </a:xfrm>
           <a:prstGeom prst="rect">
@@ -33345,7 +33269,7 @@
         </p:blipFill>
         <p:spPr bwMode="auto">
           <a:xfrm>
-            <a:off x="16611851" y="15452241"/>
+            <a:off x="16310024" y="15354271"/>
             <a:ext cx="2160000" cy="1080000"/>
           </a:xfrm>
           <a:prstGeom prst="rect">
@@ -33386,7 +33310,7 @@
         </p:blipFill>
         <p:spPr bwMode="auto">
           <a:xfrm>
-            <a:off x="13573720" y="15481063"/>
+            <a:off x="13501712" y="15786319"/>
             <a:ext cx="1088438" cy="1080000"/>
           </a:xfrm>
           <a:prstGeom prst="rect">
@@ -33427,7 +33351,7 @@
         </p:blipFill>
         <p:spPr bwMode="auto">
           <a:xfrm>
-            <a:off x="15440923" y="14731831"/>
+            <a:off x="14941872" y="14994231"/>
             <a:ext cx="1080000" cy="1080000"/>
           </a:xfrm>
           <a:prstGeom prst="rect">
@@ -33468,7 +33392,7 @@
         </p:blipFill>
         <p:spPr bwMode="auto">
           <a:xfrm>
-            <a:off x="15834774" y="14108093"/>
+            <a:off x="15834774" y="14274151"/>
             <a:ext cx="1080000" cy="868692"/>
           </a:xfrm>
           <a:prstGeom prst="rect">
@@ -33509,7 +33433,7 @@
         </p:blipFill>
         <p:spPr bwMode="auto">
           <a:xfrm>
-            <a:off x="14143185" y="16561183"/>
+            <a:off x="14163361" y="16578527"/>
             <a:ext cx="3155055" cy="1080000"/>
           </a:xfrm>
           <a:prstGeom prst="rect">
@@ -33550,7 +33474,7 @@
         </p:blipFill>
         <p:spPr bwMode="auto">
           <a:xfrm>
-            <a:off x="17407754" y="16345159"/>
+            <a:off x="17318136" y="16146359"/>
             <a:ext cx="846486" cy="1080000"/>
           </a:xfrm>
           <a:prstGeom prst="rect">
@@ -33591,7 +33515,7 @@
         </p:blipFill>
         <p:spPr bwMode="auto">
           <a:xfrm>
-            <a:off x="16909234" y="14063248"/>
+            <a:off x="17030224" y="14418167"/>
             <a:ext cx="1080000" cy="1080000"/>
           </a:xfrm>
           <a:prstGeom prst="rect">
@@ -33617,8 +33541,8 @@
         </p:nvSpPr>
         <p:spPr>
           <a:xfrm>
-            <a:off x="14487968" y="14441092"/>
-            <a:ext cx="3600000" cy="3600000"/>
+            <a:off x="15230144" y="14850215"/>
+            <a:ext cx="2160000" cy="2160000"/>
           </a:xfrm>
           <a:prstGeom prst="donut">
             <a:avLst/>
@@ -33684,7 +33608,7 @@
         </p:blipFill>
         <p:spPr bwMode="auto">
           <a:xfrm>
-            <a:off x="18028055" y="14416781"/>
+            <a:off x="18182352" y="14562183"/>
             <a:ext cx="1080000" cy="1297998"/>
           </a:xfrm>
           <a:prstGeom prst="rect">
@@ -33710,7 +33634,7 @@
         </p:nvSpPr>
         <p:spPr>
           <a:xfrm>
-            <a:off x="1722677" y="18483947"/>
+            <a:off x="3094850" y="13555811"/>
             <a:ext cx="4817344" cy="646331"/>
           </a:xfrm>
           <a:prstGeom prst="rect">
@@ -33735,6 +33659,8 @@
                     <a:schemeClr val="bg1"/>
                   </a:solidFill>
                 </a:ln>
+                <a:latin typeface="HGSｺﾞｼｯｸE" panose="020B0900000000000000" pitchFamily="50" charset="-128"/>
+                <a:ea typeface="HGSｺﾞｼｯｸE" panose="020B0900000000000000" pitchFamily="50" charset="-128"/>
               </a:rPr>
               <a:t>一般的なソフトウェア</a:t>
             </a:r>
@@ -33744,6 +33670,8 @@
                   <a:schemeClr val="bg1"/>
                 </a:solidFill>
               </a:ln>
+              <a:latin typeface="HGSｺﾞｼｯｸE" panose="020B0900000000000000" pitchFamily="50" charset="-128"/>
+              <a:ea typeface="HGSｺﾞｼｯｸE" panose="020B0900000000000000" pitchFamily="50" charset="-128"/>
             </a:endParaRPr>
           </a:p>
         </p:txBody>
@@ -33756,7 +33684,7 @@
         </p:nvSpPr>
         <p:spPr>
           <a:xfrm>
-            <a:off x="13919300" y="18219108"/>
+            <a:off x="13332960" y="13555812"/>
             <a:ext cx="6207148" cy="646331"/>
           </a:xfrm>
           <a:prstGeom prst="rect">
@@ -33781,6 +33709,8 @@
                     <a:schemeClr val="bg1"/>
                   </a:solidFill>
                 </a:ln>
+                <a:latin typeface="HGSｺﾞｼｯｸE" panose="020B0900000000000000" pitchFamily="50" charset="-128"/>
+                <a:ea typeface="HGSｺﾞｼｯｸE" panose="020B0900000000000000" pitchFamily="50" charset="-128"/>
               </a:rPr>
               <a:t>オープンソースソフトウェア</a:t>
             </a:r>
@@ -33790,6 +33720,8 @@
                   <a:schemeClr val="bg1"/>
                 </a:solidFill>
               </a:ln>
+              <a:latin typeface="HGSｺﾞｼｯｸE" panose="020B0900000000000000" pitchFamily="50" charset="-128"/>
+              <a:ea typeface="HGSｺﾞｼｯｸE" panose="020B0900000000000000" pitchFamily="50" charset="-128"/>
             </a:endParaRPr>
           </a:p>
         </p:txBody>
@@ -33802,8 +33734,8 @@
         </p:nvSpPr>
         <p:spPr>
           <a:xfrm>
-            <a:off x="6765570" y="18165387"/>
-            <a:ext cx="4690936" cy="3142927"/>
+            <a:off x="7008543" y="18556421"/>
+            <a:ext cx="4445947" cy="2978784"/>
           </a:xfrm>
           <a:prstGeom prst="flowChartMagneticDisk">
             <a:avLst/>
@@ -33855,8 +33787,8 @@
         </p:blipFill>
         <p:spPr bwMode="auto">
           <a:xfrm>
-            <a:off x="7036049" y="19292473"/>
-            <a:ext cx="2213335" cy="720000"/>
+            <a:off x="7279022" y="19683506"/>
+            <a:ext cx="2097741" cy="682397"/>
           </a:xfrm>
           <a:prstGeom prst="rect">
             <a:avLst/>
@@ -33896,8 +33828,8 @@
         </p:blipFill>
         <p:spPr bwMode="auto">
           <a:xfrm>
-            <a:off x="9563357" y="19196850"/>
-            <a:ext cx="1440000" cy="1080000"/>
+            <a:off x="9806330" y="19587883"/>
+            <a:ext cx="1364795" cy="1023596"/>
           </a:xfrm>
           <a:prstGeom prst="rect">
             <a:avLst/>
@@ -33921,9 +33853,9 @@
           <p:nvPr/>
         </p:nvSpPr>
         <p:spPr>
-          <a:xfrm rot="14109174">
-            <a:off x="10945940" y="16593574"/>
-            <a:ext cx="1800000" cy="2959385"/>
+          <a:xfrm rot="13570134">
+            <a:off x="11187592" y="16703676"/>
+            <a:ext cx="1800000" cy="2327400"/>
           </a:xfrm>
           <a:prstGeom prst="upArrow">
             <a:avLst/>
@@ -33975,8 +33907,8 @@
         </p:blipFill>
         <p:spPr bwMode="auto">
           <a:xfrm>
-            <a:off x="7957460" y="20034184"/>
-            <a:ext cx="2723475" cy="1080000"/>
+            <a:off x="8200433" y="20425217"/>
+            <a:ext cx="2581239" cy="1023596"/>
           </a:xfrm>
           <a:prstGeom prst="rect">
             <a:avLst/>
@@ -34110,7 +34042,7 @@
         </p:nvSpPr>
         <p:spPr>
           <a:xfrm>
-            <a:off x="6740152" y="21308314"/>
+            <a:off x="6740152" y="21433196"/>
             <a:ext cx="4817344" cy="646331"/>
           </a:xfrm>
           <a:prstGeom prst="rect">
@@ -34625,7 +34557,7 @@
         </p:nvSpPr>
         <p:spPr>
           <a:xfrm>
-            <a:off x="13480330" y="19324831"/>
+            <a:off x="13480330" y="19350933"/>
             <a:ext cx="4798801" cy="2325154"/>
           </a:xfrm>
           <a:prstGeom prst="cloudCallout">
@@ -34686,7 +34618,7 @@
         </p:blipFill>
         <p:spPr bwMode="auto">
           <a:xfrm>
-            <a:off x="14385298" y="19801543"/>
+            <a:off x="14385298" y="19827645"/>
             <a:ext cx="3004846" cy="1285461"/>
           </a:xfrm>
           <a:prstGeom prst="rect">
@@ -34720,7 +34652,7 @@
         </p:nvSpPr>
         <p:spPr>
           <a:xfrm>
-            <a:off x="14437816" y="20233591"/>
+            <a:off x="14437816" y="20259693"/>
             <a:ext cx="2912051" cy="523220"/>
           </a:xfrm>
           <a:prstGeom prst="rect">
@@ -36360,6 +36292,232 @@
           </a:fontRef>
         </p:style>
       </p:cxnSp>
+      <p:sp>
+        <p:nvSpPr>
+          <p:cNvPr id="178" name="正方形/長方形 177"/>
+          <p:cNvSpPr/>
+          <p:nvPr/>
+        </p:nvSpPr>
+        <p:spPr>
+          <a:xfrm>
+            <a:off x="1898459" y="17658527"/>
+            <a:ext cx="6955750" cy="830997"/>
+          </a:xfrm>
+          <a:prstGeom prst="rect">
+            <a:avLst/>
+          </a:prstGeom>
+          <a:noFill/>
+        </p:spPr>
+        <p:txBody>
+          <a:bodyPr wrap="none" lIns="91440" tIns="45720" rIns="91440" bIns="45720">
+            <a:spAutoFit/>
+          </a:bodyPr>
+          <a:lstStyle/>
+          <a:p>
+            <a:pPr algn="ctr"/>
+            <a:r>
+              <a:rPr lang="ja-JP" altLang="en-US" sz="4800" dirty="0" smtClean="0">
+                <a:ln w="18415" cmpd="sng">
+                  <a:solidFill>
+                    <a:schemeClr val="tx1"/>
+                  </a:solidFill>
+                  <a:prstDash val="solid"/>
+                </a:ln>
+                <a:solidFill>
+                  <a:srgbClr val="FFFF00">
+                    <a:alpha val="70000"/>
+                  </a:srgbClr>
+                </a:solidFill>
+                <a:effectLst>
+                  <a:outerShdw blurRad="63500" dir="3600000" algn="tl" rotWithShape="0">
+                    <a:srgbClr val="000000">
+                      <a:alpha val="70000"/>
+                    </a:srgbClr>
+                  </a:outerShdw>
+                </a:effectLst>
+                <a:latin typeface="HGSｺﾞｼｯｸE" panose="020B0900000000000000" pitchFamily="50" charset="-128"/>
+                <a:ea typeface="HGSｺﾞｼｯｸE" panose="020B0900000000000000" pitchFamily="50" charset="-128"/>
+              </a:rPr>
+              <a:t>開発プロセスが見れない</a:t>
+            </a:r>
+            <a:endParaRPr lang="ja-JP" altLang="en-US" sz="4800" dirty="0">
+              <a:ln w="18415" cmpd="sng">
+                <a:solidFill>
+                  <a:schemeClr val="tx1"/>
+                </a:solidFill>
+                <a:prstDash val="solid"/>
+              </a:ln>
+              <a:solidFill>
+                <a:srgbClr val="FFFF00">
+                  <a:alpha val="70000"/>
+                </a:srgbClr>
+              </a:solidFill>
+              <a:effectLst>
+                <a:outerShdw blurRad="63500" dir="3600000" algn="tl" rotWithShape="0">
+                  <a:srgbClr val="000000">
+                    <a:alpha val="70000"/>
+                  </a:srgbClr>
+                </a:outerShdw>
+              </a:effectLst>
+              <a:latin typeface="HGSｺﾞｼｯｸE" panose="020B0900000000000000" pitchFamily="50" charset="-128"/>
+              <a:ea typeface="HGSｺﾞｼｯｸE" panose="020B0900000000000000" pitchFamily="50" charset="-128"/>
+            </a:endParaRPr>
+          </a:p>
+        </p:txBody>
+      </p:sp>
+      <p:sp>
+        <p:nvSpPr>
+          <p:cNvPr id="179" name="正方形/長方形 178"/>
+          <p:cNvSpPr/>
+          <p:nvPr/>
+        </p:nvSpPr>
+        <p:spPr>
+          <a:xfrm>
+            <a:off x="13183152" y="17804159"/>
+            <a:ext cx="6340197" cy="830997"/>
+          </a:xfrm>
+          <a:prstGeom prst="rect">
+            <a:avLst/>
+          </a:prstGeom>
+          <a:noFill/>
+        </p:spPr>
+        <p:txBody>
+          <a:bodyPr wrap="none" lIns="91440" tIns="45720" rIns="91440" bIns="45720">
+            <a:spAutoFit/>
+          </a:bodyPr>
+          <a:lstStyle/>
+          <a:p>
+            <a:pPr algn="ctr"/>
+            <a:r>
+              <a:rPr lang="ja-JP" altLang="en-US" sz="4800" dirty="0" smtClean="0">
+                <a:ln w="18415" cmpd="sng">
+                  <a:solidFill>
+                    <a:schemeClr val="tx1"/>
+                  </a:solidFill>
+                  <a:prstDash val="solid"/>
+                </a:ln>
+                <a:solidFill>
+                  <a:srgbClr val="FFFF00">
+                    <a:alpha val="70000"/>
+                  </a:srgbClr>
+                </a:solidFill>
+                <a:effectLst>
+                  <a:outerShdw blurRad="63500" dir="3600000" algn="tl" rotWithShape="0">
+                    <a:srgbClr val="000000">
+                      <a:alpha val="70000"/>
+                    </a:srgbClr>
+                  </a:outerShdw>
+                </a:effectLst>
+                <a:latin typeface="HGSｺﾞｼｯｸE" panose="020B0900000000000000" pitchFamily="50" charset="-128"/>
+                <a:ea typeface="HGSｺﾞｼｯｸE" panose="020B0900000000000000" pitchFamily="50" charset="-128"/>
+              </a:rPr>
+              <a:t>開発プロセスが見れる</a:t>
+            </a:r>
+            <a:endParaRPr lang="ja-JP" altLang="en-US" sz="4800" dirty="0">
+              <a:ln w="18415" cmpd="sng">
+                <a:solidFill>
+                  <a:schemeClr val="tx1"/>
+                </a:solidFill>
+                <a:prstDash val="solid"/>
+              </a:ln>
+              <a:solidFill>
+                <a:srgbClr val="FFFF00">
+                  <a:alpha val="70000"/>
+                </a:srgbClr>
+              </a:solidFill>
+              <a:effectLst>
+                <a:outerShdw blurRad="63500" dir="3600000" algn="tl" rotWithShape="0">
+                  <a:srgbClr val="000000">
+                    <a:alpha val="70000"/>
+                  </a:srgbClr>
+                </a:outerShdw>
+              </a:effectLst>
+              <a:latin typeface="HGSｺﾞｼｯｸE" panose="020B0900000000000000" pitchFamily="50" charset="-128"/>
+              <a:ea typeface="HGSｺﾞｼｯｸE" panose="020B0900000000000000" pitchFamily="50" charset="-128"/>
+            </a:endParaRPr>
+          </a:p>
+        </p:txBody>
+      </p:sp>
+      <p:sp>
+        <p:nvSpPr>
+          <p:cNvPr id="312" name="雲 311"/>
+          <p:cNvSpPr/>
+          <p:nvPr/>
+        </p:nvSpPr>
+        <p:spPr>
+          <a:xfrm>
+            <a:off x="12683996" y="14130135"/>
+            <a:ext cx="7200000" cy="3600000"/>
+          </a:xfrm>
+          <a:prstGeom prst="cloud">
+            <a:avLst/>
+          </a:prstGeom>
+          <a:noFill/>
+        </p:spPr>
+        <p:style>
+          <a:lnRef idx="2">
+            <a:schemeClr val="dk1"/>
+          </a:lnRef>
+          <a:fillRef idx="1">
+            <a:schemeClr val="lt1"/>
+          </a:fillRef>
+          <a:effectRef idx="0">
+            <a:schemeClr val="dk1"/>
+          </a:effectRef>
+          <a:fontRef idx="minor">
+            <a:schemeClr val="dk1"/>
+          </a:fontRef>
+        </p:style>
+        <p:txBody>
+          <a:bodyPr rtlCol="0" anchor="ctr"/>
+          <a:lstStyle/>
+          <a:p>
+            <a:pPr algn="ctr"/>
+            <a:endParaRPr kumimoji="1" lang="ja-JP" altLang="en-US"/>
+          </a:p>
+        </p:txBody>
+      </p:sp>
+      <p:sp>
+        <p:nvSpPr>
+          <p:cNvPr id="21" name="雲 20"/>
+          <p:cNvSpPr/>
+          <p:nvPr/>
+        </p:nvSpPr>
+        <p:spPr>
+          <a:xfrm>
+            <a:off x="1844929" y="14130655"/>
+            <a:ext cx="7200000" cy="3600000"/>
+          </a:xfrm>
+          <a:prstGeom prst="cloud">
+            <a:avLst/>
+          </a:prstGeom>
+          <a:noFill/>
+        </p:spPr>
+        <p:style>
+          <a:lnRef idx="2">
+            <a:schemeClr val="dk1"/>
+          </a:lnRef>
+          <a:fillRef idx="1">
+            <a:schemeClr val="lt1"/>
+          </a:fillRef>
+          <a:effectRef idx="0">
+            <a:schemeClr val="dk1"/>
+          </a:effectRef>
+          <a:fontRef idx="minor">
+            <a:schemeClr val="dk1"/>
+          </a:fontRef>
+        </p:style>
+        <p:txBody>
+          <a:bodyPr rtlCol="0" anchor="ctr"/>
+          <a:lstStyle/>
+          <a:p>
+            <a:pPr algn="ctr"/>
+            <a:endParaRPr kumimoji="1" lang="ja-JP" altLang="en-US">
+              <a:noFill/>
+            </a:endParaRPr>
+          </a:p>
+        </p:txBody>
+      </p:sp>
     </p:spTree>
     <p:extLst>
       <p:ext uri="{BB962C8B-B14F-4D97-AF65-F5344CB8AC3E}">

--- a/卒業論文/2012/清水竜吾/卒業論文中間ポスター.pptx
+++ b/卒業論文/2012/清水竜吾/卒業論文中間ポスター.pptx
@@ -235,11 +235,11 @@
         </c:dLbls>
         <c:marker val="1"/>
         <c:smooth val="0"/>
-        <c:axId val="111286144"/>
-        <c:axId val="111287680"/>
+        <c:axId val="40239488"/>
+        <c:axId val="40241024"/>
       </c:lineChart>
       <c:catAx>
-        <c:axId val="111286144"/>
+        <c:axId val="40239488"/>
         <c:scaling>
           <c:orientation val="minMax"/>
         </c:scaling>
@@ -248,7 +248,7 @@
         <c:majorTickMark val="none"/>
         <c:minorTickMark val="none"/>
         <c:tickLblPos val="none"/>
-        <c:crossAx val="111287680"/>
+        <c:crossAx val="40241024"/>
         <c:crosses val="autoZero"/>
         <c:auto val="1"/>
         <c:lblAlgn val="ctr"/>
@@ -256,7 +256,7 @@
         <c:noMultiLvlLbl val="0"/>
       </c:catAx>
       <c:valAx>
-        <c:axId val="111287680"/>
+        <c:axId val="40241024"/>
         <c:scaling>
           <c:orientation val="minMax"/>
         </c:scaling>
@@ -267,7 +267,7 @@
         <c:majorTickMark val="out"/>
         <c:minorTickMark val="none"/>
         <c:tickLblPos val="nextTo"/>
-        <c:crossAx val="111286144"/>
+        <c:crossAx val="40239488"/>
         <c:crosses val="autoZero"/>
         <c:crossBetween val="between"/>
       </c:valAx>
@@ -384,11 +384,11 @@
         </c:dLbls>
         <c:marker val="1"/>
         <c:smooth val="0"/>
-        <c:axId val="112364928"/>
-        <c:axId val="112383104"/>
+        <c:axId val="40257408"/>
+        <c:axId val="40258944"/>
       </c:lineChart>
       <c:catAx>
-        <c:axId val="112364928"/>
+        <c:axId val="40257408"/>
         <c:scaling>
           <c:orientation val="minMax"/>
         </c:scaling>
@@ -397,7 +397,7 @@
         <c:majorTickMark val="out"/>
         <c:minorTickMark val="none"/>
         <c:tickLblPos val="nextTo"/>
-        <c:crossAx val="112383104"/>
+        <c:crossAx val="40258944"/>
         <c:crosses val="autoZero"/>
         <c:auto val="1"/>
         <c:lblAlgn val="ctr"/>
@@ -405,7 +405,7 @@
         <c:noMultiLvlLbl val="0"/>
       </c:catAx>
       <c:valAx>
-        <c:axId val="112383104"/>
+        <c:axId val="40258944"/>
         <c:scaling>
           <c:orientation val="minMax"/>
         </c:scaling>
@@ -416,7 +416,7 @@
         <c:majorTickMark val="out"/>
         <c:minorTickMark val="none"/>
         <c:tickLblPos val="nextTo"/>
-        <c:crossAx val="112364928"/>
+        <c:crossAx val="40257408"/>
         <c:crosses val="autoZero"/>
         <c:crossBetween val="between"/>
       </c:valAx>
@@ -535,11 +535,11 @@
         </c:dLbls>
         <c:marker val="1"/>
         <c:smooth val="0"/>
-        <c:axId val="114046080"/>
-        <c:axId val="114047616"/>
+        <c:axId val="40283520"/>
+        <c:axId val="40293504"/>
       </c:lineChart>
       <c:catAx>
-        <c:axId val="114046080"/>
+        <c:axId val="40283520"/>
         <c:scaling>
           <c:orientation val="minMax"/>
         </c:scaling>
@@ -548,7 +548,7 @@
         <c:majorTickMark val="out"/>
         <c:minorTickMark val="none"/>
         <c:tickLblPos val="nextTo"/>
-        <c:crossAx val="114047616"/>
+        <c:crossAx val="40293504"/>
         <c:crosses val="autoZero"/>
         <c:auto val="1"/>
         <c:lblAlgn val="ctr"/>
@@ -556,7 +556,7 @@
         <c:noMultiLvlLbl val="0"/>
       </c:catAx>
       <c:valAx>
-        <c:axId val="114047616"/>
+        <c:axId val="40293504"/>
         <c:scaling>
           <c:orientation val="minMax"/>
         </c:scaling>
@@ -567,7 +567,7 @@
         <c:majorTickMark val="out"/>
         <c:minorTickMark val="none"/>
         <c:tickLblPos val="nextTo"/>
-        <c:crossAx val="114046080"/>
+        <c:crossAx val="40283520"/>
         <c:crosses val="autoZero"/>
         <c:crossBetween val="between"/>
       </c:valAx>
@@ -36300,8 +36300,8 @@
         </p:nvSpPr>
         <p:spPr>
           <a:xfrm>
-            <a:off x="1898459" y="17658527"/>
-            <a:ext cx="6955750" cy="830997"/>
+            <a:off x="1825952" y="17658527"/>
+            <a:ext cx="7571304" cy="830997"/>
           </a:xfrm>
           <a:prstGeom prst="rect">
             <a:avLst/>
@@ -36338,7 +36338,32 @@
                 <a:latin typeface="HGSｺﾞｼｯｸE" panose="020B0900000000000000" pitchFamily="50" charset="-128"/>
                 <a:ea typeface="HGSｺﾞｼｯｸE" panose="020B0900000000000000" pitchFamily="50" charset="-128"/>
               </a:rPr>
-              <a:t>開発プロセスが見れない</a:t>
+              <a:t>開発プロセスが</a:t>
+            </a:r>
+            <a:r>
+              <a:rPr lang="ja-JP" altLang="en-US" sz="4800" dirty="0" smtClean="0">
+                <a:ln w="18415" cmpd="sng">
+                  <a:solidFill>
+                    <a:schemeClr val="tx1"/>
+                  </a:solidFill>
+                  <a:prstDash val="solid"/>
+                </a:ln>
+                <a:solidFill>
+                  <a:srgbClr val="FFFF00">
+                    <a:alpha val="70000"/>
+                  </a:srgbClr>
+                </a:solidFill>
+                <a:effectLst>
+                  <a:outerShdw blurRad="63500" dir="3600000" algn="tl" rotWithShape="0">
+                    <a:srgbClr val="000000">
+                      <a:alpha val="70000"/>
+                    </a:srgbClr>
+                  </a:outerShdw>
+                </a:effectLst>
+                <a:latin typeface="HGSｺﾞｼｯｸE" panose="020B0900000000000000" pitchFamily="50" charset="-128"/>
+                <a:ea typeface="HGSｺﾞｼｯｸE" panose="020B0900000000000000" pitchFamily="50" charset="-128"/>
+              </a:rPr>
+              <a:t>見られない</a:t>
             </a:r>
             <a:endParaRPr lang="ja-JP" altLang="en-US" sz="4800" dirty="0">
               <a:ln w="18415" cmpd="sng">
@@ -36373,8 +36398,8 @@
         </p:nvSpPr>
         <p:spPr>
           <a:xfrm>
-            <a:off x="13183152" y="17804159"/>
-            <a:ext cx="6340197" cy="830997"/>
+            <a:off x="12875375" y="17804159"/>
+            <a:ext cx="6955751" cy="830997"/>
           </a:xfrm>
           <a:prstGeom prst="rect">
             <a:avLst/>
@@ -36411,7 +36436,32 @@
                 <a:latin typeface="HGSｺﾞｼｯｸE" panose="020B0900000000000000" pitchFamily="50" charset="-128"/>
                 <a:ea typeface="HGSｺﾞｼｯｸE" panose="020B0900000000000000" pitchFamily="50" charset="-128"/>
               </a:rPr>
-              <a:t>開発プロセスが見れる</a:t>
+              <a:t>開発プロセスが</a:t>
+            </a:r>
+            <a:r>
+              <a:rPr lang="ja-JP" altLang="en-US" sz="4800" dirty="0" smtClean="0">
+                <a:ln w="18415" cmpd="sng">
+                  <a:solidFill>
+                    <a:schemeClr val="tx1"/>
+                  </a:solidFill>
+                  <a:prstDash val="solid"/>
+                </a:ln>
+                <a:solidFill>
+                  <a:srgbClr val="FFFF00">
+                    <a:alpha val="70000"/>
+                  </a:srgbClr>
+                </a:solidFill>
+                <a:effectLst>
+                  <a:outerShdw blurRad="63500" dir="3600000" algn="tl" rotWithShape="0">
+                    <a:srgbClr val="000000">
+                      <a:alpha val="70000"/>
+                    </a:srgbClr>
+                  </a:outerShdw>
+                </a:effectLst>
+                <a:latin typeface="HGSｺﾞｼｯｸE" panose="020B0900000000000000" pitchFamily="50" charset="-128"/>
+                <a:ea typeface="HGSｺﾞｼｯｸE" panose="020B0900000000000000" pitchFamily="50" charset="-128"/>
+              </a:rPr>
+              <a:t>見られる</a:t>
             </a:r>
             <a:endParaRPr lang="ja-JP" altLang="en-US" sz="4800" dirty="0">
               <a:ln w="18415" cmpd="sng">
@@ -36920,13 +36970,7 @@
               <a:rPr lang="ja-JP" altLang="en-US" sz="3200" dirty="0" smtClean="0">
                 <a:latin typeface="+mn-ea"/>
               </a:rPr>
-              <a:t>プロジェクト</a:t>
-            </a:r>
-            <a:r>
-              <a:rPr lang="ja-JP" altLang="en-US" sz="3200" dirty="0" smtClean="0">
-                <a:latin typeface="+mn-ea"/>
-              </a:rPr>
-              <a:t>情報</a:t>
+              <a:t>プロジェクト情報</a:t>
             </a:r>
             <a:endParaRPr lang="en-US" altLang="ja-JP" sz="3200" dirty="0" smtClean="0">
               <a:latin typeface="+mn-ea"/>
@@ -36986,13 +37030,7 @@
               <a:rPr lang="en-US" altLang="ja-JP" sz="3200" dirty="0" smtClean="0">
                 <a:latin typeface="+mn-ea"/>
               </a:rPr>
-              <a:t>Etc</a:t>
-            </a:r>
-            <a:r>
-              <a:rPr lang="en-US" altLang="ja-JP" sz="3200" dirty="0" smtClean="0">
-                <a:latin typeface="+mn-ea"/>
-              </a:rPr>
-              <a:t>...</a:t>
+              <a:t>Etc...</a:t>
             </a:r>
             <a:endParaRPr kumimoji="1" lang="ja-JP" altLang="en-US" sz="3200" dirty="0">
               <a:latin typeface="+mn-ea"/>
